--- a/프레젠테이션 1.pptx
+++ b/프레젠테이션 1.pptx
@@ -9,6 +9,8 @@
     <p:sldId id="257" r:id="rId3"/>
     <p:sldId id="258" r:id="rId4"/>
     <p:sldId id="259" r:id="rId5"/>
+    <p:sldId id="260" r:id="rId6"/>
+    <p:sldId id="261" r:id="rId7"/>
   </p:sldIdLst>
   <p:sldSz cx="12192000" cy="6858000"/>
   <p:notesSz cx="6858000" cy="9144000"/>
@@ -3190,7 +3192,7 @@
       </p:grpSpPr>
       <p:pic>
         <p:nvPicPr>
-          <p:cNvPr id="5" name=""/>
+          <p:cNvPr id="4" name=""/>
           <p:cNvPicPr>
             <a:picLocks noChangeAspect="1"/>
           </p:cNvPicPr>
@@ -3204,8 +3206,8 @@
         </p:blipFill>
         <p:spPr>
           <a:xfrm>
-            <a:off x="2071687" y="623887"/>
-            <a:ext cx="8048625" cy="5610225"/>
+            <a:off x="907030" y="600400"/>
+            <a:ext cx="6115903" cy="4591690"/>
           </a:xfrm>
           <a:prstGeom prst="rect">
             <a:avLst/>
@@ -3261,8 +3263,8 @@
         </p:blipFill>
         <p:spPr>
           <a:xfrm>
-            <a:off x="2037783" y="1657102"/>
-            <a:ext cx="8116432" cy="3543794"/>
+            <a:off x="3228575" y="1161733"/>
+            <a:ext cx="5734850" cy="4534532"/>
           </a:xfrm>
           <a:prstGeom prst="rect">
             <a:avLst/>
@@ -3318,8 +3320,80 @@
         </p:blipFill>
         <p:spPr>
           <a:xfrm>
-            <a:off x="1904415" y="656838"/>
-            <a:ext cx="8383170" cy="5544323"/>
+            <a:off x="6096000" y="3429000"/>
+            <a:ext cx="0" cy="0"/>
+          </a:xfrm>
+          <a:prstGeom prst="rect">
+            <a:avLst/>
+          </a:prstGeom>
+        </p:spPr>
+      </p:pic>
+      <p:pic>
+        <p:nvPicPr>
+          <p:cNvPr id="5" name=""/>
+          <p:cNvPicPr>
+            <a:picLocks noChangeAspect="1"/>
+          </p:cNvPicPr>
+          <p:nvPr/>
+        </p:nvPicPr>
+        <p:blipFill rotWithShape="1">
+          <a:blip r:embed="rId3"/>
+          <a:stretch>
+            <a:fillRect/>
+          </a:stretch>
+        </p:blipFill>
+        <p:spPr>
+          <a:xfrm>
+            <a:off x="6248400" y="3581400"/>
+            <a:ext cx="0" cy="0"/>
+          </a:xfrm>
+          <a:prstGeom prst="rect">
+            <a:avLst/>
+          </a:prstGeom>
+        </p:spPr>
+      </p:pic>
+      <p:pic>
+        <p:nvPicPr>
+          <p:cNvPr id="6" name=""/>
+          <p:cNvPicPr>
+            <a:picLocks noChangeAspect="1"/>
+          </p:cNvPicPr>
+          <p:nvPr/>
+        </p:nvPicPr>
+        <p:blipFill rotWithShape="1">
+          <a:blip r:embed="rId4"/>
+          <a:stretch>
+            <a:fillRect/>
+          </a:stretch>
+        </p:blipFill>
+        <p:spPr>
+          <a:xfrm>
+            <a:off x="6400800" y="3733800"/>
+            <a:ext cx="0" cy="0"/>
+          </a:xfrm>
+          <a:prstGeom prst="rect">
+            <a:avLst/>
+          </a:prstGeom>
+        </p:spPr>
+      </p:pic>
+      <p:pic>
+        <p:nvPicPr>
+          <p:cNvPr id="7" name=""/>
+          <p:cNvPicPr>
+            <a:picLocks noChangeAspect="1"/>
+          </p:cNvPicPr>
+          <p:nvPr/>
+        </p:nvPicPr>
+        <p:blipFill rotWithShape="1">
+          <a:blip r:embed="rId5"/>
+          <a:stretch>
+            <a:fillRect/>
+          </a:stretch>
+        </p:blipFill>
+        <p:spPr>
+          <a:xfrm>
+            <a:off x="3209522" y="1299865"/>
+            <a:ext cx="5772956" cy="4258269"/>
           </a:xfrm>
           <a:prstGeom prst="rect">
             <a:avLst/>
@@ -3359,6 +3433,144 @@
           <a:chExt cx="0" cy="0"/>
         </a:xfrm>
       </p:grpSpPr>
+      <p:pic>
+        <p:nvPicPr>
+          <p:cNvPr id="6" name=""/>
+          <p:cNvPicPr>
+            <a:picLocks noChangeAspect="1"/>
+          </p:cNvPicPr>
+          <p:nvPr/>
+        </p:nvPicPr>
+        <p:blipFill rotWithShape="1">
+          <a:blip r:embed="rId2"/>
+          <a:stretch>
+            <a:fillRect/>
+          </a:stretch>
+        </p:blipFill>
+        <p:spPr>
+          <a:xfrm>
+            <a:off x="3247627" y="1361786"/>
+            <a:ext cx="5696745" cy="4134427"/>
+          </a:xfrm>
+          <a:prstGeom prst="rect">
+            <a:avLst/>
+          </a:prstGeom>
+        </p:spPr>
+      </p:pic>
+    </p:spTree>
+  </p:cSld>
+  <p:clrMapOvr>
+    <a:masterClrMapping/>
+  </p:clrMapOvr>
+  <mc:AlternateContent xmlns:mc="http://schemas.openxmlformats.org/markup-compatibility/2006">
+    <mc:Choice xmlns:p14="http://schemas.microsoft.com/office/powerpoint/2010/main" Requires="p14">
+      <p:transition xmlns:mc="http://schemas.openxmlformats.org/markup-compatibility/2006" xmlns:p14="http://schemas.microsoft.com/office/powerpoint/2010/main" mc:Ignorable="p14" p14:dur="500"/>
+    </mc:Choice>
+    <mc:Fallback>
+      <p:transition/>
+    </mc:Fallback>
+  </mc:AlternateContent>
+</p:sld>
+</file>
+
+<file path=ppt/slides/slide5.xml><?xml version="1.0" encoding="utf-8"?>
+<p:sld xmlns:r="http://schemas.openxmlformats.org/officeDocument/2006/relationships" xmlns:c="http://schemas.openxmlformats.org/drawingml/2006/chart" xmlns:a="http://schemas.openxmlformats.org/drawingml/2006/main" xmlns:dgm="http://schemas.openxmlformats.org/drawingml/2006/diagram" xmlns:dsp="http://schemas.microsoft.com/office/drawing/2008/diagram" xmlns:p="http://schemas.openxmlformats.org/presentationml/2006/main">
+  <p:cSld>
+    <p:spTree>
+      <p:nvGrpSpPr>
+        <p:cNvPr id="1" name=""/>
+        <p:cNvGrpSpPr/>
+        <p:nvPr/>
+      </p:nvGrpSpPr>
+      <p:grpSpPr>
+        <a:xfrm>
+          <a:off x="0" y="0"/>
+          <a:ext cx="0" cy="0"/>
+          <a:chOff x="0" y="0"/>
+          <a:chExt cx="0" cy="0"/>
+        </a:xfrm>
+      </p:grpSpPr>
+      <p:pic>
+        <p:nvPicPr>
+          <p:cNvPr id="4" name=""/>
+          <p:cNvPicPr>
+            <a:picLocks noChangeAspect="1"/>
+          </p:cNvPicPr>
+          <p:nvPr/>
+        </p:nvPicPr>
+        <p:blipFill rotWithShape="1">
+          <a:blip r:embed="rId2"/>
+          <a:stretch>
+            <a:fillRect/>
+          </a:stretch>
+        </p:blipFill>
+        <p:spPr>
+          <a:xfrm>
+            <a:off x="3276206" y="1509444"/>
+            <a:ext cx="5639587" cy="3839110"/>
+          </a:xfrm>
+          <a:prstGeom prst="rect">
+            <a:avLst/>
+          </a:prstGeom>
+        </p:spPr>
+      </p:pic>
+    </p:spTree>
+  </p:cSld>
+  <p:clrMapOvr>
+    <a:masterClrMapping/>
+  </p:clrMapOvr>
+  <mc:AlternateContent xmlns:mc="http://schemas.openxmlformats.org/markup-compatibility/2006">
+    <mc:Choice xmlns:p14="http://schemas.microsoft.com/office/powerpoint/2010/main" Requires="p14">
+      <p:transition xmlns:mc="http://schemas.openxmlformats.org/markup-compatibility/2006" xmlns:p14="http://schemas.microsoft.com/office/powerpoint/2010/main" mc:Ignorable="p14" p14:dur="500"/>
+    </mc:Choice>
+    <mc:Fallback>
+      <p:transition/>
+    </mc:Fallback>
+  </mc:AlternateContent>
+</p:sld>
+</file>
+
+<file path=ppt/slides/slide6.xml><?xml version="1.0" encoding="utf-8"?>
+<p:sld xmlns:r="http://schemas.openxmlformats.org/officeDocument/2006/relationships" xmlns:c="http://schemas.openxmlformats.org/drawingml/2006/chart" xmlns:a="http://schemas.openxmlformats.org/drawingml/2006/main" xmlns:dgm="http://schemas.openxmlformats.org/drawingml/2006/diagram" xmlns:dsp="http://schemas.microsoft.com/office/drawing/2008/diagram" xmlns:p="http://schemas.openxmlformats.org/presentationml/2006/main">
+  <p:cSld>
+    <p:spTree>
+      <p:nvGrpSpPr>
+        <p:cNvPr id="1" name=""/>
+        <p:cNvGrpSpPr/>
+        <p:nvPr/>
+      </p:nvGrpSpPr>
+      <p:grpSpPr>
+        <a:xfrm>
+          <a:off x="0" y="0"/>
+          <a:ext cx="0" cy="0"/>
+          <a:chOff x="0" y="0"/>
+          <a:chExt cx="0" cy="0"/>
+        </a:xfrm>
+      </p:grpSpPr>
+      <p:pic>
+        <p:nvPicPr>
+          <p:cNvPr id="4" name=""/>
+          <p:cNvPicPr>
+            <a:picLocks noChangeAspect="1"/>
+          </p:cNvPicPr>
+          <p:nvPr/>
+        </p:nvPicPr>
+        <p:blipFill rotWithShape="1">
+          <a:blip r:embed="rId2"/>
+          <a:stretch>
+            <a:fillRect/>
+          </a:stretch>
+        </p:blipFill>
+        <p:spPr>
+          <a:xfrm>
+            <a:off x="1855732" y="0"/>
+            <a:ext cx="5524500" cy="6791325"/>
+          </a:xfrm>
+          <a:prstGeom prst="rect">
+            <a:avLst/>
+          </a:prstGeom>
+        </p:spPr>
+      </p:pic>
     </p:spTree>
   </p:cSld>
   <p:clrMapOvr>
